--- a/files/AboutPython.pptx
+++ b/files/AboutPython.pptx
@@ -13,7 +13,6 @@
     <p:sldId id="266" r:id="rId7"/>
     <p:sldId id="264" r:id="rId8"/>
     <p:sldId id="267" r:id="rId9"/>
-    <p:sldId id="268" r:id="rId10"/>
   </p:sldIdLst>
   <p:sldSz cx="9144000" cy="6858000" type="screen4x3"/>
   <p:notesSz cx="6858000" cy="9144000"/>
@@ -281,7 +280,7 @@
           <a:p>
             <a:fld id="{E32B0120-34BC-4D2D-A004-D755CDB5BD4A}" type="datetimeFigureOut">
               <a:rPr lang="en-US" smtClean="0"/>
-              <a:t>12/19/2019</a:t>
+              <a:t>12/24/2020</a:t>
             </a:fld>
             <a:endParaRPr lang="en-US"/>
           </a:p>
@@ -451,7 +450,7 @@
           <a:p>
             <a:fld id="{E32B0120-34BC-4D2D-A004-D755CDB5BD4A}" type="datetimeFigureOut">
               <a:rPr lang="en-US" smtClean="0"/>
-              <a:t>12/19/2019</a:t>
+              <a:t>12/24/2020</a:t>
             </a:fld>
             <a:endParaRPr lang="en-US"/>
           </a:p>
@@ -631,7 +630,7 @@
           <a:p>
             <a:fld id="{E32B0120-34BC-4D2D-A004-D755CDB5BD4A}" type="datetimeFigureOut">
               <a:rPr lang="en-US" smtClean="0"/>
-              <a:t>12/19/2019</a:t>
+              <a:t>12/24/2020</a:t>
             </a:fld>
             <a:endParaRPr lang="en-US"/>
           </a:p>
@@ -801,7 +800,7 @@
           <a:p>
             <a:fld id="{E32B0120-34BC-4D2D-A004-D755CDB5BD4A}" type="datetimeFigureOut">
               <a:rPr lang="en-US" smtClean="0"/>
-              <a:t>12/19/2019</a:t>
+              <a:t>12/24/2020</a:t>
             </a:fld>
             <a:endParaRPr lang="en-US"/>
           </a:p>
@@ -1045,7 +1044,7 @@
           <a:p>
             <a:fld id="{E32B0120-34BC-4D2D-A004-D755CDB5BD4A}" type="datetimeFigureOut">
               <a:rPr lang="en-US" smtClean="0"/>
-              <a:t>12/19/2019</a:t>
+              <a:t>12/24/2020</a:t>
             </a:fld>
             <a:endParaRPr lang="en-US"/>
           </a:p>
@@ -1277,7 +1276,7 @@
           <a:p>
             <a:fld id="{E32B0120-34BC-4D2D-A004-D755CDB5BD4A}" type="datetimeFigureOut">
               <a:rPr lang="en-US" smtClean="0"/>
-              <a:t>12/19/2019</a:t>
+              <a:t>12/24/2020</a:t>
             </a:fld>
             <a:endParaRPr lang="en-US"/>
           </a:p>
@@ -1644,7 +1643,7 @@
           <a:p>
             <a:fld id="{E32B0120-34BC-4D2D-A004-D755CDB5BD4A}" type="datetimeFigureOut">
               <a:rPr lang="en-US" smtClean="0"/>
-              <a:t>12/19/2019</a:t>
+              <a:t>12/24/2020</a:t>
             </a:fld>
             <a:endParaRPr lang="en-US"/>
           </a:p>
@@ -1762,7 +1761,7 @@
           <a:p>
             <a:fld id="{E32B0120-34BC-4D2D-A004-D755CDB5BD4A}" type="datetimeFigureOut">
               <a:rPr lang="en-US" smtClean="0"/>
-              <a:t>12/19/2019</a:t>
+              <a:t>12/24/2020</a:t>
             </a:fld>
             <a:endParaRPr lang="en-US"/>
           </a:p>
@@ -1857,7 +1856,7 @@
           <a:p>
             <a:fld id="{E32B0120-34BC-4D2D-A004-D755CDB5BD4A}" type="datetimeFigureOut">
               <a:rPr lang="en-US" smtClean="0"/>
-              <a:t>12/19/2019</a:t>
+              <a:t>12/24/2020</a:t>
             </a:fld>
             <a:endParaRPr lang="en-US"/>
           </a:p>
@@ -2134,7 +2133,7 @@
           <a:p>
             <a:fld id="{E32B0120-34BC-4D2D-A004-D755CDB5BD4A}" type="datetimeFigureOut">
               <a:rPr lang="en-US" smtClean="0"/>
-              <a:t>12/19/2019</a:t>
+              <a:t>12/24/2020</a:t>
             </a:fld>
             <a:endParaRPr lang="en-US"/>
           </a:p>
@@ -2391,7 +2390,7 @@
           <a:p>
             <a:fld id="{E32B0120-34BC-4D2D-A004-D755CDB5BD4A}" type="datetimeFigureOut">
               <a:rPr lang="en-US" smtClean="0"/>
-              <a:t>12/19/2019</a:t>
+              <a:t>12/24/2020</a:t>
             </a:fld>
             <a:endParaRPr lang="en-US"/>
           </a:p>
@@ -2634,7 +2633,7 @@
           <a:p>
             <a:fld id="{E32B0120-34BC-4D2D-A004-D755CDB5BD4A}" type="datetimeFigureOut">
               <a:rPr lang="en-US" smtClean="0"/>
-              <a:t>12/19/2019</a:t>
+              <a:t>12/24/2020</a:t>
             </a:fld>
             <a:endParaRPr lang="en-US"/>
           </a:p>
@@ -3097,44 +3096,6 @@
           </a:p>
         </p:txBody>
       </p:sp>
-      <p:sp>
-        <p:nvSpPr>
-          <p:cNvPr id="3" name="Subtitle 2"/>
-          <p:cNvSpPr>
-            <a:spLocks noGrp="1"/>
-          </p:cNvSpPr>
-          <p:nvPr>
-            <p:ph type="subTitle" idx="1"/>
-          </p:nvPr>
-        </p:nvSpPr>
-        <p:spPr>
-          <a:xfrm>
-            <a:off x="5400674" y="4848961"/>
-            <a:ext cx="3506149" cy="418363"/>
-          </a:xfrm>
-        </p:spPr>
-        <p:txBody>
-          <a:bodyPr>
-            <a:normAutofit/>
-          </a:bodyPr>
-          <a:lstStyle/>
-          <a:p>
-            <a:r>
-              <a:rPr lang="ru-RU" sz="1800" dirty="0" smtClean="0">
-                <a:solidFill>
-                  <a:srgbClr val="E3AE3C"/>
-                </a:solidFill>
-              </a:rPr>
-              <a:t>Медведева Полина, АПОб-17</a:t>
-            </a:r>
-            <a:endParaRPr lang="en-US" sz="1800" dirty="0">
-              <a:solidFill>
-                <a:srgbClr val="E3AE3C"/>
-              </a:solidFill>
-            </a:endParaRPr>
-          </a:p>
-        </p:txBody>
-      </p:sp>
     </p:spTree>
     <p:extLst>
       <p:ext uri="{BB962C8B-B14F-4D97-AF65-F5344CB8AC3E}">
@@ -3667,13 +3628,6 @@
               </a:rPr>
               <a:t> для прерывания цикла и перехода сразу к следующей итерации, соответственно.</a:t>
             </a:r>
-            <a:endParaRPr lang="ru-RU" dirty="0">
-              <a:solidFill>
-                <a:schemeClr val="accent5">
-                  <a:lumMod val="75000"/>
-                </a:schemeClr>
-              </a:solidFill>
-            </a:endParaRPr>
           </a:p>
         </p:txBody>
       </p:sp>
@@ -4045,13 +3999,6 @@
               </a:rPr>
               <a:t> )</a:t>
             </a:r>
-            <a:endParaRPr lang="ru-RU" dirty="0">
-              <a:solidFill>
-                <a:schemeClr val="accent5">
-                  <a:lumMod val="75000"/>
-                </a:schemeClr>
-              </a:solidFill>
-            </a:endParaRPr>
           </a:p>
         </p:txBody>
       </p:sp>
@@ -4613,79 +4560,6 @@
     <p:extLst>
       <p:ext uri="{BB962C8B-B14F-4D97-AF65-F5344CB8AC3E}">
         <p14:creationId xmlns:p14="http://schemas.microsoft.com/office/powerpoint/2010/main" val="2951606438"/>
-      </p:ext>
-    </p:extLst>
-  </p:cSld>
-  <p:clrMapOvr>
-    <a:masterClrMapping/>
-  </p:clrMapOvr>
-</p:sld>
-</file>
-
-<file path=ppt/slides/slide9.xml><?xml version="1.0" encoding="utf-8"?>
-<p:sld xmlns:a="http://schemas.openxmlformats.org/drawingml/2006/main" xmlns:r="http://schemas.openxmlformats.org/officeDocument/2006/relationships" xmlns:p="http://schemas.openxmlformats.org/presentationml/2006/main">
-  <p:cSld>
-    <p:spTree>
-      <p:nvGrpSpPr>
-        <p:cNvPr id="1" name=""/>
-        <p:cNvGrpSpPr/>
-        <p:nvPr/>
-      </p:nvGrpSpPr>
-      <p:grpSpPr>
-        <a:xfrm>
-          <a:off x="0" y="0"/>
-          <a:ext cx="0" cy="0"/>
-          <a:chOff x="0" y="0"/>
-          <a:chExt cx="0" cy="0"/>
-        </a:xfrm>
-      </p:grpSpPr>
-      <p:sp>
-        <p:nvSpPr>
-          <p:cNvPr id="2" name="Заголовок 1"/>
-          <p:cNvSpPr>
-            <a:spLocks noGrp="1"/>
-          </p:cNvSpPr>
-          <p:nvPr>
-            <p:ph type="title"/>
-          </p:nvPr>
-        </p:nvSpPr>
-        <p:spPr>
-          <a:xfrm>
-            <a:off x="714375" y="2574926"/>
-            <a:ext cx="7886700" cy="1325563"/>
-          </a:xfrm>
-        </p:spPr>
-        <p:txBody>
-          <a:bodyPr>
-            <a:normAutofit/>
-          </a:bodyPr>
-          <a:lstStyle/>
-          <a:p>
-            <a:pPr algn="ctr"/>
-            <a:r>
-              <a:rPr lang="ru-RU" sz="5400" b="1" dirty="0" smtClean="0">
-                <a:solidFill>
-                  <a:schemeClr val="accent5">
-                    <a:lumMod val="75000"/>
-                  </a:schemeClr>
-                </a:solidFill>
-              </a:rPr>
-              <a:t>Спасибо за внимание!</a:t>
-            </a:r>
-            <a:endParaRPr lang="ru-RU" sz="5400" b="1" dirty="0">
-              <a:solidFill>
-                <a:schemeClr val="accent5">
-                  <a:lumMod val="75000"/>
-                </a:schemeClr>
-              </a:solidFill>
-            </a:endParaRPr>
-          </a:p>
-        </p:txBody>
-      </p:sp>
-    </p:spTree>
-    <p:extLst>
-      <p:ext uri="{BB962C8B-B14F-4D97-AF65-F5344CB8AC3E}">
-        <p14:creationId xmlns:p14="http://schemas.microsoft.com/office/powerpoint/2010/main" val="928008532"/>
       </p:ext>
     </p:extLst>
   </p:cSld>
